--- a/presentations/balsa_pyninsula_12_18.pptx
+++ b/presentations/balsa_pyninsula_12_18.pptx
@@ -582,6 +582,93 @@
 </file>
 
 <file path=ppt/notesSlides/notesSlide2.xml><?xml version="1.0" encoding="utf-8"?>
+<p:notes xmlns:a="http://schemas.openxmlformats.org/drawingml/2006/main" xmlns:r="http://schemas.openxmlformats.org/officeDocument/2006/relationships" xmlns:p="http://schemas.openxmlformats.org/presentationml/2006/main">
+  <p:cSld>
+    <p:spTree>
+      <p:nvGrpSpPr>
+        <p:cNvPr id="1" name=""/>
+        <p:cNvGrpSpPr/>
+        <p:nvPr/>
+      </p:nvGrpSpPr>
+      <p:grpSpPr>
+        <a:xfrm>
+          <a:off x="0" y="0"/>
+          <a:ext cx="0" cy="0"/>
+          <a:chOff x="0" y="0"/>
+          <a:chExt cx="0" cy="0"/>
+        </a:xfrm>
+      </p:grpSpPr>
+      <p:sp>
+        <p:nvSpPr>
+          <p:cNvPr id="2" name="Slide Image Placeholder 1"/>
+          <p:cNvSpPr>
+            <a:spLocks noGrp="1" noRot="1" noChangeAspect="1"/>
+          </p:cNvSpPr>
+          <p:nvPr>
+            <p:ph type="sldImg"/>
+          </p:nvPr>
+        </p:nvSpPr>
+        <p:spPr/>
+      </p:sp>
+      <p:sp>
+        <p:nvSpPr>
+          <p:cNvPr id="3" name="Notes Placeholder 2"/>
+          <p:cNvSpPr>
+            <a:spLocks noGrp="1"/>
+          </p:cNvSpPr>
+          <p:nvPr>
+            <p:ph type="body" idx="1"/>
+          </p:nvPr>
+        </p:nvSpPr>
+        <p:spPr/>
+        <p:txBody>
+          <a:bodyPr/>
+          <a:lstStyle/>
+          <a:p>
+            <a:r>
+              <a:rPr lang="en-US" dirty="0"/>
+              <a:t>If you use a different exception service, submit a PR!</a:t>
+            </a:r>
+          </a:p>
+        </p:txBody>
+      </p:sp>
+      <p:sp>
+        <p:nvSpPr>
+          <p:cNvPr id="4" name="Slide Number Placeholder 3"/>
+          <p:cNvSpPr>
+            <a:spLocks noGrp="1"/>
+          </p:cNvSpPr>
+          <p:nvPr>
+            <p:ph type="sldNum" sz="quarter" idx="5"/>
+          </p:nvPr>
+        </p:nvSpPr>
+        <p:spPr/>
+        <p:txBody>
+          <a:bodyPr/>
+          <a:lstStyle/>
+          <a:p>
+            <a:fld id="{2461EB3E-1D88-47C4-8AAF-37E009E424AF}" type="slidenum">
+              <a:rPr lang="en-US" smtClean="0"/>
+              <a:t>7</a:t>
+            </a:fld>
+            <a:endParaRPr lang="en-US"/>
+          </a:p>
+        </p:txBody>
+      </p:sp>
+    </p:spTree>
+    <p:extLst>
+      <p:ext uri="{BB962C8B-B14F-4D97-AF65-F5344CB8AC3E}">
+        <p14:creationId xmlns:p14="http://schemas.microsoft.com/office/powerpoint/2010/main" val="3230515411"/>
+      </p:ext>
+    </p:extLst>
+  </p:cSld>
+  <p:clrMapOvr>
+    <a:masterClrMapping/>
+  </p:clrMapOvr>
+</p:notes>
+</file>
+
+<file path=ppt/notesSlides/notesSlide3.xml><?xml version="1.0" encoding="utf-8"?>
 <p:notes xmlns:a="http://schemas.openxmlformats.org/drawingml/2006/main" xmlns:r="http://schemas.openxmlformats.org/officeDocument/2006/relationships" xmlns:p="http://schemas.openxmlformats.org/presentationml/2006/main">
   <p:cSld>
     <p:spTree>
@@ -5577,28 +5664,28 @@
               <a:buNone/>
             </a:pPr>
             <a:r>
-              <a:rPr lang="en-US" sz="1400" dirty="0" err="1">
+              <a:rPr lang="en-US" sz="1400" b="1" dirty="0" err="1">
                 <a:latin typeface="Courier New" panose="02070309020205020404" pitchFamily="49" charset="0"/>
                 <a:cs typeface="Courier New" panose="02070309020205020404" pitchFamily="49" charset="0"/>
               </a:rPr>
               <a:t>balsa.init_logger_from_args</a:t>
             </a:r>
             <a:r>
-              <a:rPr lang="en-US" sz="1400" dirty="0">
+              <a:rPr lang="en-US" sz="1400" b="1" dirty="0">
                 <a:latin typeface="Courier New" panose="02070309020205020404" pitchFamily="49" charset="0"/>
                 <a:cs typeface="Courier New" panose="02070309020205020404" pitchFamily="49" charset="0"/>
               </a:rPr>
               <a:t>(</a:t>
             </a:r>
             <a:r>
-              <a:rPr lang="en-US" sz="1400" dirty="0" err="1">
+              <a:rPr lang="en-US" sz="1400" b="1" dirty="0" err="1">
                 <a:latin typeface="Courier New" panose="02070309020205020404" pitchFamily="49" charset="0"/>
                 <a:cs typeface="Courier New" panose="02070309020205020404" pitchFamily="49" charset="0"/>
               </a:rPr>
               <a:t>args</a:t>
             </a:r>
             <a:r>
-              <a:rPr lang="en-US" sz="1400" dirty="0">
+              <a:rPr lang="en-US" sz="1400" b="1" dirty="0">
                 <a:latin typeface="Courier New" panose="02070309020205020404" pitchFamily="49" charset="0"/>
                 <a:cs typeface="Courier New" panose="02070309020205020404" pitchFamily="49" charset="0"/>
               </a:rPr>
@@ -8957,7 +9044,7 @@
           <p:nvPr/>
         </p:nvPicPr>
         <p:blipFill>
-          <a:blip r:embed="rId2"/>
+          <a:blip r:embed="rId3"/>
           <a:stretch>
             <a:fillRect/>
           </a:stretch>
@@ -8987,7 +9074,7 @@
           <p:nvPr/>
         </p:nvPicPr>
         <p:blipFill>
-          <a:blip r:embed="rId3"/>
+          <a:blip r:embed="rId4"/>
           <a:stretch>
             <a:fillRect/>
           </a:stretch>
@@ -9243,14 +9330,19 @@
             <p:ph type="title"/>
           </p:nvPr>
         </p:nvSpPr>
-        <p:spPr/>
+        <p:spPr>
+          <a:xfrm>
+            <a:off x="295507" y="365124"/>
+            <a:ext cx="10515600" cy="1325563"/>
+          </a:xfrm>
+        </p:spPr>
         <p:txBody>
           <a:bodyPr/>
           <a:lstStyle/>
           <a:p>
             <a:r>
               <a:rPr lang="en-US" dirty="0"/>
-              <a:t>GUI apps</a:t>
+              <a:t>Balsa handles GUI apps</a:t>
             </a:r>
           </a:p>
         </p:txBody>
@@ -9271,7 +9363,12 @@
             <p:ph idx="1"/>
           </p:nvPr>
         </p:nvSpPr>
-        <p:spPr/>
+        <p:spPr>
+          <a:xfrm>
+            <a:off x="630043" y="2398054"/>
+            <a:ext cx="10515600" cy="3779721"/>
+          </a:xfrm>
+        </p:spPr>
         <p:txBody>
           <a:bodyPr/>
           <a:lstStyle/>
@@ -9352,6 +9449,126 @@
           </a:p>
         </p:txBody>
       </p:sp>
+      <p:pic>
+        <p:nvPicPr>
+          <p:cNvPr id="5" name="Picture 4">
+            <a:extLst>
+              <a:ext uri="{FF2B5EF4-FFF2-40B4-BE49-F238E27FC236}">
+                <a16:creationId xmlns:a16="http://schemas.microsoft.com/office/drawing/2014/main" id="{99DF7656-5E31-42A0-BA27-5BC9954B5239}"/>
+              </a:ext>
+            </a:extLst>
+          </p:cNvPr>
+          <p:cNvPicPr>
+            <a:picLocks noChangeAspect="1"/>
+          </p:cNvPicPr>
+          <p:nvPr/>
+        </p:nvPicPr>
+        <p:blipFill>
+          <a:blip r:embed="rId2">
+            <a:extLst>
+              <a:ext uri="{28A0092B-C50C-407E-A947-70E740481C1C}">
+                <a14:useLocalDpi xmlns:a14="http://schemas.microsoft.com/office/drawing/2010/main" val="0"/>
+              </a:ext>
+            </a:extLst>
+          </a:blip>
+          <a:stretch>
+            <a:fillRect/>
+          </a:stretch>
+        </p:blipFill>
+        <p:spPr>
+          <a:xfrm>
+            <a:off x="7435000" y="1027906"/>
+            <a:ext cx="4550704" cy="1800496"/>
+          </a:xfrm>
+          <a:prstGeom prst="rect">
+            <a:avLst/>
+          </a:prstGeom>
+        </p:spPr>
+      </p:pic>
+      <p:cxnSp>
+        <p:nvCxnSpPr>
+          <p:cNvPr id="6" name="Straight Connector 5">
+            <a:extLst>
+              <a:ext uri="{FF2B5EF4-FFF2-40B4-BE49-F238E27FC236}">
+                <a16:creationId xmlns:a16="http://schemas.microsoft.com/office/drawing/2014/main" id="{5C92D7B1-3259-4BF6-9A6C-15A892F25AFD}"/>
+              </a:ext>
+            </a:extLst>
+          </p:cNvPr>
+          <p:cNvCxnSpPr/>
+          <p:nvPr/>
+        </p:nvCxnSpPr>
+        <p:spPr>
+          <a:xfrm>
+            <a:off x="7240859" y="788020"/>
+            <a:ext cx="4891668" cy="2126165"/>
+          </a:xfrm>
+          <a:prstGeom prst="line">
+            <a:avLst/>
+          </a:prstGeom>
+          <a:ln w="38100">
+            <a:solidFill>
+              <a:srgbClr val="FF0000"/>
+            </a:solidFill>
+          </a:ln>
+        </p:spPr>
+        <p:style>
+          <a:lnRef idx="1">
+            <a:schemeClr val="accent1"/>
+          </a:lnRef>
+          <a:fillRef idx="0">
+            <a:schemeClr val="accent1"/>
+          </a:fillRef>
+          <a:effectRef idx="0">
+            <a:schemeClr val="accent1"/>
+          </a:effectRef>
+          <a:fontRef idx="minor">
+            <a:schemeClr val="tx1"/>
+          </a:fontRef>
+        </p:style>
+      </p:cxnSp>
+      <p:cxnSp>
+        <p:nvCxnSpPr>
+          <p:cNvPr id="7" name="Straight Connector 6">
+            <a:extLst>
+              <a:ext uri="{FF2B5EF4-FFF2-40B4-BE49-F238E27FC236}">
+                <a16:creationId xmlns:a16="http://schemas.microsoft.com/office/drawing/2014/main" id="{0773DBE8-0317-4CE9-9850-4F3F537E5464}"/>
+              </a:ext>
+            </a:extLst>
+          </p:cNvPr>
+          <p:cNvCxnSpPr>
+            <a:cxnSpLocks/>
+          </p:cNvCxnSpPr>
+          <p:nvPr/>
+        </p:nvCxnSpPr>
+        <p:spPr>
+          <a:xfrm flipH="1">
+            <a:off x="7352371" y="788020"/>
+            <a:ext cx="4633333" cy="2126165"/>
+          </a:xfrm>
+          <a:prstGeom prst="line">
+            <a:avLst/>
+          </a:prstGeom>
+          <a:ln w="38100">
+            <a:solidFill>
+              <a:srgbClr val="FF0000"/>
+            </a:solidFill>
+          </a:ln>
+        </p:spPr>
+        <p:style>
+          <a:lnRef idx="1">
+            <a:schemeClr val="accent1"/>
+          </a:lnRef>
+          <a:fillRef idx="0">
+            <a:schemeClr val="accent1"/>
+          </a:fillRef>
+          <a:effectRef idx="0">
+            <a:schemeClr val="accent1"/>
+          </a:effectRef>
+          <a:fontRef idx="minor">
+            <a:schemeClr val="tx1"/>
+          </a:fontRef>
+        </p:style>
+      </p:cxnSp>
     </p:spTree>
     <p:extLst>
       <p:ext uri="{BB962C8B-B14F-4D97-AF65-F5344CB8AC3E}">
